--- a/Progress_Status_3.pptx
+++ b/Progress_Status_3.pptx
@@ -371,7 +371,7 @@
             <a:fld id="{D4C110CA-FC68-43DA-BD62-0A387A11A067}" type="datetimeFigureOut">
               <a:rPr lang="en-US" smtClean="0"/>
               <a:pPr/>
-              <a:t>3/27/22</a:t>
+              <a:t>3/30/2022</a:t>
             </a:fld>
             <a:endParaRPr lang="en-US"/>
           </a:p>
@@ -791,7 +791,7 @@
             <a:fld id="{D4C110CA-FC68-43DA-BD62-0A387A11A067}" type="datetimeFigureOut">
               <a:rPr lang="en-US" smtClean="0"/>
               <a:pPr/>
-              <a:t>3/27/22</a:t>
+              <a:t>3/30/2022</a:t>
             </a:fld>
             <a:endParaRPr lang="en-US"/>
           </a:p>
@@ -1420,7 +1420,7 @@
           <a:p>
             <a:fld id="{569D7F56-AB9D-45DF-9F98-942E1E722FC5}" type="datetime1">
               <a:rPr lang="en-US" smtClean="0"/>
-              <a:t>3/27/22</a:t>
+              <a:t>3/30/2022</a:t>
             </a:fld>
             <a:endParaRPr lang="en-US"/>
           </a:p>
@@ -1748,7 +1748,7 @@
           <a:p>
             <a:fld id="{9C30D75E-8EE4-4FE8-BC40-DEE6124551E3}" type="datetime1">
               <a:rPr lang="en-US" smtClean="0"/>
-              <a:t>3/27/22</a:t>
+              <a:t>3/30/2022</a:t>
             </a:fld>
             <a:endParaRPr lang="en-US"/>
           </a:p>
@@ -1985,7 +1985,7 @@
           <p:cNvPr id="8" name="MSIPCMContentMarking" descr="{&quot;HashCode&quot;:-242339457,&quot;Placement&quot;:&quot;Footer&quot;}">
             <a:extLst>
               <a:ext uri="{FF2B5EF4-FFF2-40B4-BE49-F238E27FC236}">
-                <a16:creationId xmlns="" xmlns:a16="http://schemas.microsoft.com/office/drawing/2014/main" id="{14A6A8EE-9F92-4900-BAF5-FBD48B8CD07B}"/>
+                <a16:creationId xmlns:a16="http://schemas.microsoft.com/office/drawing/2014/main" id="{14A6A8EE-9F92-4900-BAF5-FBD48B8CD07B}"/>
               </a:ext>
             </a:extLst>
           </p:cNvPr>
@@ -2467,7 +2467,7 @@
           <a:graphicData uri="http://schemas.openxmlformats.org/presentationml/2006/ole">
             <mc:AlternateContent xmlns:mc="http://schemas.openxmlformats.org/markup-compatibility/2006">
               <mc:Choice xmlns:v="urn:schemas-microsoft-com:vml" Requires="v">
-                <p:oleObj spid="_x0000_s1061" name="think-cell Slide" r:id="rId6" imgW="270" imgH="270" progId="TCLayout.ActiveDocument.1">
+                <p:oleObj spid="_x0000_s1062" name="think-cell Slide" r:id="rId6" imgW="270" imgH="270" progId="TCLayout.ActiveDocument.1">
                   <p:embed/>
                 </p:oleObj>
               </mc:Choice>
@@ -2607,14 +2607,6 @@
               </a:rPr>
               <a:t>Asthma Attacks</a:t>
             </a:r>
-            <a:r>
-              <a:rPr lang="en-US" b="1">
-                <a:solidFill>
-                  <a:srgbClr val="66B512"/>
-                </a:solidFill>
-              </a:rPr>
-              <a:t/>
-            </a:r>
             <a:br>
               <a:rPr lang="en-US" b="1">
                 <a:solidFill>
@@ -2623,7 +2615,7 @@
               </a:rPr>
             </a:br>
             <a:r>
-              <a:rPr lang="en-US" b="1" smtClean="0">
+              <a:rPr lang="en-US" b="1">
                 <a:solidFill>
                   <a:srgbClr val="FF0000"/>
                 </a:solidFill>
@@ -2745,7 +2737,7 @@
           <p:cNvPr id="30" name="Rectangle: Rounded Corners 29">
             <a:extLst>
               <a:ext uri="{FF2B5EF4-FFF2-40B4-BE49-F238E27FC236}">
-                <a16:creationId xmlns="" xmlns:a16="http://schemas.microsoft.com/office/drawing/2014/main" id="{96B31DCE-FE26-4A50-8779-40C386056135}"/>
+                <a16:creationId xmlns:a16="http://schemas.microsoft.com/office/drawing/2014/main" id="{96B31DCE-FE26-4A50-8779-40C386056135}"/>
               </a:ext>
             </a:extLst>
           </p:cNvPr>
@@ -2824,7 +2816,7 @@
           <p:cNvPr id="31" name="Group 76">
             <a:extLst>
               <a:ext uri="{FF2B5EF4-FFF2-40B4-BE49-F238E27FC236}">
-                <a16:creationId xmlns="" xmlns:a16="http://schemas.microsoft.com/office/drawing/2014/main" id="{CC0A1483-DF3D-45BE-B887-CB285D84E8EA}"/>
+                <a16:creationId xmlns:a16="http://schemas.microsoft.com/office/drawing/2014/main" id="{CC0A1483-DF3D-45BE-B887-CB285D84E8EA}"/>
               </a:ext>
             </a:extLst>
           </p:cNvPr>
@@ -2853,7 +2845,7 @@
                 <a:gridCol w="11734483">
                   <a:extLst>
                     <a:ext uri="{9D8B030D-6E8A-4147-A177-3AD203B41FA5}">
-                      <a16:colId xmlns="" xmlns:a16="http://schemas.microsoft.com/office/drawing/2014/main" val="20000"/>
+                      <a16:colId xmlns:a16="http://schemas.microsoft.com/office/drawing/2014/main" val="20000"/>
                     </a:ext>
                   </a:extLst>
                 </a:gridCol>
@@ -2921,7 +2913,7 @@
                 </a:tc>
                 <a:extLst>
                   <a:ext uri="{0D108BD9-81ED-4DB2-BD59-A6C34878D82A}">
-                    <a16:rowId xmlns="" xmlns:a16="http://schemas.microsoft.com/office/drawing/2014/main" val="10000"/>
+                    <a16:rowId xmlns:a16="http://schemas.microsoft.com/office/drawing/2014/main" val="10000"/>
                   </a:ext>
                 </a:extLst>
               </a:tr>
@@ -2934,7 +2926,7 @@
           <p:cNvPr id="32" name="Group 77">
             <a:extLst>
               <a:ext uri="{FF2B5EF4-FFF2-40B4-BE49-F238E27FC236}">
-                <a16:creationId xmlns="" xmlns:a16="http://schemas.microsoft.com/office/drawing/2014/main" id="{98257ECF-45B8-481F-B073-88E6B4B91EDB}"/>
+                <a16:creationId xmlns:a16="http://schemas.microsoft.com/office/drawing/2014/main" id="{98257ECF-45B8-481F-B073-88E6B4B91EDB}"/>
               </a:ext>
             </a:extLst>
           </p:cNvPr>
@@ -2963,7 +2955,7 @@
                 <a:gridCol w="6301058">
                   <a:extLst>
                     <a:ext uri="{9D8B030D-6E8A-4147-A177-3AD203B41FA5}">
-                      <a16:colId xmlns="" xmlns:a16="http://schemas.microsoft.com/office/drawing/2014/main" val="20000"/>
+                      <a16:colId xmlns:a16="http://schemas.microsoft.com/office/drawing/2014/main" val="20000"/>
                     </a:ext>
                   </a:extLst>
                 </a:gridCol>
@@ -3022,7 +3014,7 @@
                 </a:tc>
                 <a:extLst>
                   <a:ext uri="{0D108BD9-81ED-4DB2-BD59-A6C34878D82A}">
-                    <a16:rowId xmlns="" xmlns:a16="http://schemas.microsoft.com/office/drawing/2014/main" val="10000"/>
+                    <a16:rowId xmlns:a16="http://schemas.microsoft.com/office/drawing/2014/main" val="10000"/>
                   </a:ext>
                 </a:extLst>
               </a:tr>
@@ -3109,7 +3101,7 @@
                 </a:tc>
                 <a:extLst>
                   <a:ext uri="{0D108BD9-81ED-4DB2-BD59-A6C34878D82A}">
-                    <a16:rowId xmlns="" xmlns:a16="http://schemas.microsoft.com/office/drawing/2014/main" val="10001"/>
+                    <a16:rowId xmlns:a16="http://schemas.microsoft.com/office/drawing/2014/main" val="10001"/>
                   </a:ext>
                 </a:extLst>
               </a:tr>
@@ -3122,7 +3114,7 @@
           <p:cNvPr id="33" name="Group 77">
             <a:extLst>
               <a:ext uri="{FF2B5EF4-FFF2-40B4-BE49-F238E27FC236}">
-                <a16:creationId xmlns="" xmlns:a16="http://schemas.microsoft.com/office/drawing/2014/main" id="{D1FFF23A-C9C0-4990-B613-435FE74B2902}"/>
+                <a16:creationId xmlns:a16="http://schemas.microsoft.com/office/drawing/2014/main" id="{D1FFF23A-C9C0-4990-B613-435FE74B2902}"/>
               </a:ext>
             </a:extLst>
           </p:cNvPr>
@@ -3151,7 +3143,7 @@
                 <a:gridCol w="5333996">
                   <a:extLst>
                     <a:ext uri="{9D8B030D-6E8A-4147-A177-3AD203B41FA5}">
-                      <a16:colId xmlns="" xmlns:a16="http://schemas.microsoft.com/office/drawing/2014/main" val="20000"/>
+                      <a16:colId xmlns:a16="http://schemas.microsoft.com/office/drawing/2014/main" val="20000"/>
                     </a:ext>
                   </a:extLst>
                 </a:gridCol>
@@ -3204,7 +3196,7 @@
                 </a:tc>
                 <a:extLst>
                   <a:ext uri="{0D108BD9-81ED-4DB2-BD59-A6C34878D82A}">
-                    <a16:rowId xmlns="" xmlns:a16="http://schemas.microsoft.com/office/drawing/2014/main" val="10000"/>
+                    <a16:rowId xmlns:a16="http://schemas.microsoft.com/office/drawing/2014/main" val="10000"/>
                   </a:ext>
                 </a:extLst>
               </a:tr>
@@ -3228,7 +3220,7 @@
                         <a:buChar char="§"/>
                       </a:pPr>
                       <a:r>
-                        <a:rPr kumimoji="0" lang="en-GB" sz="1000" b="1" u="none" strike="noStrike" kern="1200" cap="none" spc="0" normalizeH="0" baseline="0" noProof="0" dirty="0" smtClean="0">
+                        <a:rPr kumimoji="0" lang="en-GB" sz="1000" b="1" u="none" strike="noStrike" kern="1200" cap="none" spc="0" normalizeH="0" baseline="0" noProof="0" dirty="0">
                           <a:ln>
                             <a:noFill/>
                           </a:ln>
@@ -3257,7 +3249,7 @@
                         <a:buChar char="§"/>
                       </a:pPr>
                       <a:r>
-                        <a:rPr kumimoji="0" lang="en-GB" sz="1000" b="1" u="none" strike="noStrike" kern="1200" cap="none" spc="0" normalizeH="0" baseline="0" noProof="0" dirty="0" smtClean="0">
+                        <a:rPr kumimoji="0" lang="en-GB" sz="1000" b="1" u="none" strike="noStrike" kern="1200" cap="none" spc="0" normalizeH="0" baseline="0" noProof="0" dirty="0">
                           <a:ln>
                             <a:noFill/>
                           </a:ln>
@@ -3286,7 +3278,7 @@
                         <a:buChar char="§"/>
                       </a:pPr>
                       <a:r>
-                        <a:rPr kumimoji="0" lang="en-GB" sz="1000" b="1" u="none" strike="noStrike" kern="1200" cap="none" spc="0" normalizeH="0" baseline="0" noProof="0" dirty="0" smtClean="0">
+                        <a:rPr kumimoji="0" lang="en-GB" sz="1000" b="1" u="none" strike="noStrike" kern="1200" cap="none" spc="0" normalizeH="0" baseline="0" noProof="0" dirty="0">
                           <a:ln>
                             <a:noFill/>
                           </a:ln>
@@ -3335,7 +3327,7 @@
                 </a:tc>
                 <a:extLst>
                   <a:ext uri="{0D108BD9-81ED-4DB2-BD59-A6C34878D82A}">
-                    <a16:rowId xmlns="" xmlns:a16="http://schemas.microsoft.com/office/drawing/2014/main" val="10001"/>
+                    <a16:rowId xmlns:a16="http://schemas.microsoft.com/office/drawing/2014/main" val="10001"/>
                   </a:ext>
                 </a:extLst>
               </a:tr>
@@ -3348,7 +3340,7 @@
           <p:cNvPr id="36" name="Rectangle: Rounded Corners 35">
             <a:extLst>
               <a:ext uri="{FF2B5EF4-FFF2-40B4-BE49-F238E27FC236}">
-                <a16:creationId xmlns="" xmlns:a16="http://schemas.microsoft.com/office/drawing/2014/main" id="{BB735C57-A501-4D95-BE54-CE03563D7929}"/>
+                <a16:creationId xmlns:a16="http://schemas.microsoft.com/office/drawing/2014/main" id="{BB735C57-A501-4D95-BE54-CE03563D7929}"/>
               </a:ext>
             </a:extLst>
           </p:cNvPr>
@@ -3427,7 +3419,7 @@
           <p:cNvPr id="37" name="Group 79">
             <a:extLst>
               <a:ext uri="{FF2B5EF4-FFF2-40B4-BE49-F238E27FC236}">
-                <a16:creationId xmlns="" xmlns:a16="http://schemas.microsoft.com/office/drawing/2014/main" id="{0B10B350-64ED-4B92-9E40-03FF6E86DBF6}"/>
+                <a16:creationId xmlns:a16="http://schemas.microsoft.com/office/drawing/2014/main" id="{0B10B350-64ED-4B92-9E40-03FF6E86DBF6}"/>
               </a:ext>
             </a:extLst>
           </p:cNvPr>
@@ -3456,14 +3448,14 @@
                 <a:gridCol w="2572795">
                   <a:extLst>
                     <a:ext uri="{9D8B030D-6E8A-4147-A177-3AD203B41FA5}">
-                      <a16:colId xmlns="" xmlns:a16="http://schemas.microsoft.com/office/drawing/2014/main" val="20000"/>
+                      <a16:colId xmlns:a16="http://schemas.microsoft.com/office/drawing/2014/main" val="20000"/>
                     </a:ext>
                   </a:extLst>
                 </a:gridCol>
                 <a:gridCol w="1594108">
                   <a:extLst>
                     <a:ext uri="{9D8B030D-6E8A-4147-A177-3AD203B41FA5}">
-                      <a16:colId xmlns="" xmlns:a16="http://schemas.microsoft.com/office/drawing/2014/main" val="20001"/>
+                      <a16:colId xmlns:a16="http://schemas.microsoft.com/office/drawing/2014/main" val="20001"/>
                     </a:ext>
                   </a:extLst>
                 </a:gridCol>
@@ -3652,7 +3644,7 @@
                 </a:tc>
                 <a:extLst>
                   <a:ext uri="{0D108BD9-81ED-4DB2-BD59-A6C34878D82A}">
-                    <a16:rowId xmlns="" xmlns:a16="http://schemas.microsoft.com/office/drawing/2014/main" val="10000"/>
+                    <a16:rowId xmlns:a16="http://schemas.microsoft.com/office/drawing/2014/main" val="10000"/>
                   </a:ext>
                 </a:extLst>
               </a:tr>
@@ -3840,7 +3832,7 @@
                 </a:tc>
                 <a:extLst>
                   <a:ext uri="{0D108BD9-81ED-4DB2-BD59-A6C34878D82A}">
-                    <a16:rowId xmlns="" xmlns:a16="http://schemas.microsoft.com/office/drawing/2014/main" val="10001"/>
+                    <a16:rowId xmlns:a16="http://schemas.microsoft.com/office/drawing/2014/main" val="10001"/>
                   </a:ext>
                 </a:extLst>
               </a:tr>
@@ -3853,7 +3845,7 @@
           <p:cNvPr id="38" name="Tabelle 20">
             <a:extLst>
               <a:ext uri="{FF2B5EF4-FFF2-40B4-BE49-F238E27FC236}">
-                <a16:creationId xmlns="" xmlns:a16="http://schemas.microsoft.com/office/drawing/2014/main" id="{EC9F2797-F988-44CB-8382-693DBC8A0F21}"/>
+                <a16:creationId xmlns:a16="http://schemas.microsoft.com/office/drawing/2014/main" id="{EC9F2797-F988-44CB-8382-693DBC8A0F21}"/>
               </a:ext>
             </a:extLst>
           </p:cNvPr>
@@ -3882,14 +3874,14 @@
                 <a:gridCol w="1028731">
                   <a:extLst>
                     <a:ext uri="{9D8B030D-6E8A-4147-A177-3AD203B41FA5}">
-                      <a16:colId xmlns="" xmlns:a16="http://schemas.microsoft.com/office/drawing/2014/main" val="20000"/>
+                      <a16:colId xmlns:a16="http://schemas.microsoft.com/office/drawing/2014/main" val="20000"/>
                     </a:ext>
                   </a:extLst>
                 </a:gridCol>
                 <a:gridCol w="801637">
                   <a:extLst>
                     <a:ext uri="{9D8B030D-6E8A-4147-A177-3AD203B41FA5}">
-                      <a16:colId xmlns="" xmlns:a16="http://schemas.microsoft.com/office/drawing/2014/main" val="20001"/>
+                      <a16:colId xmlns:a16="http://schemas.microsoft.com/office/drawing/2014/main" val="20001"/>
                     </a:ext>
                   </a:extLst>
                 </a:gridCol>
@@ -4071,7 +4063,7 @@
                 </a:tc>
                 <a:extLst>
                   <a:ext uri="{0D108BD9-81ED-4DB2-BD59-A6C34878D82A}">
-                    <a16:rowId xmlns="" xmlns:a16="http://schemas.microsoft.com/office/drawing/2014/main" val="10000"/>
+                    <a16:rowId xmlns:a16="http://schemas.microsoft.com/office/drawing/2014/main" val="10000"/>
                   </a:ext>
                 </a:extLst>
               </a:tr>
@@ -4084,7 +4076,7 @@
           <p:cNvPr id="8" name="TextBox 7">
             <a:extLst>
               <a:ext uri="{FF2B5EF4-FFF2-40B4-BE49-F238E27FC236}">
-                <a16:creationId xmlns="" xmlns:a16="http://schemas.microsoft.com/office/drawing/2014/main" id="{44E3C0C7-7427-4CB3-B854-12CD21E5D4DD}"/>
+                <a16:creationId xmlns:a16="http://schemas.microsoft.com/office/drawing/2014/main" id="{44E3C0C7-7427-4CB3-B854-12CD21E5D4DD}"/>
               </a:ext>
             </a:extLst>
           </p:cNvPr>
@@ -4190,25 +4182,11 @@
               <a:defRPr/>
             </a:pPr>
             <a:r>
-              <a:rPr lang="en-GB" sz="1000" b="1" dirty="0" smtClean="0">
-                <a:latin typeface="Arial"/>
-                <a:cs typeface="Arial"/>
-              </a:rPr>
-              <a:t>Linear Mixed-Effects model </a:t>
-            </a:r>
-            <a:r>
               <a:rPr lang="en-GB" sz="1000" b="1" dirty="0">
                 <a:latin typeface="Arial"/>
                 <a:cs typeface="Arial"/>
               </a:rPr>
-              <a:t>with Feature Selection and </a:t>
-            </a:r>
-            <a:r>
-              <a:rPr lang="en-GB" sz="1000" b="1" dirty="0" smtClean="0">
-                <a:latin typeface="Arial"/>
-                <a:cs typeface="Arial"/>
-              </a:rPr>
-              <a:t>Cross-Validation</a:t>
+              <a:t>Linear Mixed-Effects model with Feature Selection and Cross-Validation</a:t>
             </a:r>
           </a:p>
           <a:p>
@@ -4227,25 +4205,18 @@
               <a:defRPr/>
             </a:pPr>
             <a:r>
-              <a:rPr lang="en-GB" sz="1000" b="1" dirty="0" err="1" smtClean="0">
+              <a:rPr lang="en-GB" sz="1000" b="1" dirty="0" err="1">
                 <a:latin typeface="Arial"/>
                 <a:cs typeface="Arial"/>
               </a:rPr>
               <a:t>Rshiny</a:t>
             </a:r>
             <a:r>
-              <a:rPr lang="en-GB" sz="1000" b="1" dirty="0" smtClean="0">
-                <a:latin typeface="Arial"/>
-                <a:cs typeface="Arial"/>
-              </a:rPr>
-              <a:t> </a:t>
-            </a:r>
-            <a:r>
               <a:rPr lang="en-GB" sz="1000" b="1" dirty="0">
                 <a:latin typeface="Arial"/>
                 <a:cs typeface="Arial"/>
               </a:rPr>
-              <a:t>feature</a:t>
+              <a:t> feature</a:t>
             </a:r>
           </a:p>
           <a:p>
@@ -4408,7 +4379,7 @@
           <p:cNvPr id="15" name="Group 77">
             <a:extLst>
               <a:ext uri="{FF2B5EF4-FFF2-40B4-BE49-F238E27FC236}">
-                <a16:creationId xmlns="" xmlns:a16="http://schemas.microsoft.com/office/drawing/2014/main" id="{98257ECF-45B8-481F-B073-88E6B4B91EDB}"/>
+                <a16:creationId xmlns:a16="http://schemas.microsoft.com/office/drawing/2014/main" id="{98257ECF-45B8-481F-B073-88E6B4B91EDB}"/>
               </a:ext>
             </a:extLst>
           </p:cNvPr>
@@ -4418,14 +4389,14 @@
           <p:nvPr>
             <p:extLst>
               <p:ext uri="{D42A27DB-BD31-4B8C-83A1-F6EECF244321}">
-                <p14:modId xmlns:p14="http://schemas.microsoft.com/office/powerpoint/2010/main" val="156931969"/>
+                <p14:modId xmlns:p14="http://schemas.microsoft.com/office/powerpoint/2010/main" val="4063636027"/>
               </p:ext>
             </p:extLst>
           </p:nvPr>
         </p:nvGraphicFramePr>
         <p:xfrm>
-          <a:off x="6620127" y="4605961"/>
-          <a:ext cx="5332086" cy="1977709"/>
+          <a:off x="6620127" y="3246050"/>
+          <a:ext cx="5332086" cy="3304963"/>
         </p:xfrm>
         <a:graphic>
           <a:graphicData uri="http://schemas.openxmlformats.org/drawingml/2006/table">
@@ -4437,12 +4408,12 @@
                 <a:gridCol w="5332086">
                   <a:extLst>
                     <a:ext uri="{9D8B030D-6E8A-4147-A177-3AD203B41FA5}">
-                      <a16:colId xmlns="" xmlns:a16="http://schemas.microsoft.com/office/drawing/2014/main" val="20000"/>
+                      <a16:colId xmlns:a16="http://schemas.microsoft.com/office/drawing/2014/main" val="20000"/>
                     </a:ext>
                   </a:extLst>
                 </a:gridCol>
               </a:tblGrid>
-              <a:tr h="305509">
+              <a:tr h="358569">
                 <a:tc>
                   <a:txBody>
                     <a:bodyPr/>
@@ -4467,7 +4438,7 @@
                         <a:tabLst/>
                       </a:pPr>
                       <a:r>
-                        <a:rPr kumimoji="0" lang="en-US" sz="1400" u="none" strike="noStrike" cap="none" normalizeH="0" baseline="0" dirty="0" smtClean="0">
+                        <a:rPr kumimoji="0" lang="en-US" sz="1400" u="none" strike="noStrike" cap="none" normalizeH="0" baseline="0" dirty="0">
                           <a:ln>
                             <a:noFill/>
                           </a:ln>
@@ -4496,11 +4467,11 @@
                 </a:tc>
                 <a:extLst>
                   <a:ext uri="{0D108BD9-81ED-4DB2-BD59-A6C34878D82A}">
-                    <a16:rowId xmlns="" xmlns:a16="http://schemas.microsoft.com/office/drawing/2014/main" val="10000"/>
+                    <a16:rowId xmlns:a16="http://schemas.microsoft.com/office/drawing/2014/main" val="10000"/>
                   </a:ext>
                 </a:extLst>
               </a:tr>
-              <a:tr h="1611526">
+              <a:tr h="2946394">
                 <a:tc>
                   <a:txBody>
                     <a:bodyPr/>
@@ -4520,7 +4491,7 @@
                         <a:buChar char="§"/>
                       </a:pPr>
                       <a:r>
-                        <a:rPr kumimoji="0" lang="en-GB" sz="1000" b="1" u="none" strike="noStrike" kern="1200" cap="none" spc="0" normalizeH="0" baseline="0" noProof="0" dirty="0" smtClean="0">
+                        <a:rPr kumimoji="0" lang="en-GB" sz="1000" b="1" u="none" strike="noStrike" kern="1200" cap="none" spc="0" normalizeH="0" baseline="0" noProof="0" dirty="0">
                           <a:ln>
                             <a:noFill/>
                           </a:ln>
@@ -4534,7 +4505,7 @@
                         <a:t>Is there variability/trends when it comes to how one subject rates the severity of their asthma attack? </a:t>
                       </a:r>
                       <a:r>
-                        <a:rPr kumimoji="0" lang="en-GB" sz="1000" b="1" u="none" strike="noStrike" kern="1200" cap="none" spc="0" normalizeH="0" baseline="0" noProof="0" dirty="0" smtClean="0">
+                        <a:rPr kumimoji="0" lang="en-GB" sz="1000" b="1" u="none" strike="noStrike" kern="1200" cap="none" spc="0" normalizeH="0" baseline="0" noProof="0" dirty="0">
                           <a:ln>
                             <a:noFill/>
                           </a:ln>
@@ -4563,7 +4534,7 @@
                         <a:buChar char="§"/>
                       </a:pPr>
                       <a:r>
-                        <a:rPr kumimoji="0" lang="en-GB" sz="1000" b="1" u="none" strike="noStrike" kern="1200" cap="none" spc="0" normalizeH="0" baseline="0" noProof="0" dirty="0" smtClean="0">
+                        <a:rPr kumimoji="0" lang="en-GB" sz="1000" b="1" u="none" strike="noStrike" kern="1200" cap="none" spc="0" normalizeH="0" baseline="0" noProof="0" dirty="0">
                           <a:ln>
                             <a:noFill/>
                           </a:ln>
@@ -4577,7 +4548,7 @@
                         <a:t>What about doing standardization after splitting into train/test sets?</a:t>
                       </a:r>
                       <a:r>
-                        <a:rPr kumimoji="0" lang="en-GB" sz="1000" b="1" u="none" strike="noStrike" kern="1200" cap="none" spc="0" normalizeH="0" baseline="0" noProof="0" dirty="0" smtClean="0">
+                        <a:rPr kumimoji="0" lang="en-GB" sz="1000" b="1" u="none" strike="noStrike" kern="1200" cap="none" spc="0" normalizeH="0" baseline="0" noProof="0" dirty="0">
                           <a:ln>
                             <a:noFill/>
                           </a:ln>
@@ -4606,7 +4577,7 @@
                         <a:buChar char="§"/>
                       </a:pPr>
                       <a:r>
-                        <a:rPr kumimoji="0" lang="en-GB" sz="1000" b="1" u="none" strike="noStrike" kern="1200" cap="none" spc="0" normalizeH="0" baseline="0" noProof="0" dirty="0" smtClean="0">
+                        <a:rPr kumimoji="0" lang="en-GB" sz="1000" b="1" u="none" strike="noStrike" kern="1200" cap="none" spc="0" normalizeH="0" baseline="0" noProof="0" dirty="0">
                           <a:ln>
                             <a:noFill/>
                           </a:ln>
@@ -4620,7 +4591,7 @@
                         <a:t>Is there ordering to your categorical variables? </a:t>
                       </a:r>
                       <a:r>
-                        <a:rPr kumimoji="0" lang="en-GB" sz="1000" b="1" u="none" strike="noStrike" kern="1200" cap="none" spc="0" normalizeH="0" baseline="0" noProof="0" dirty="0" smtClean="0">
+                        <a:rPr kumimoji="0" lang="en-GB" sz="1000" b="1" u="none" strike="noStrike" kern="1200" cap="none" spc="0" normalizeH="0" baseline="0" noProof="0" dirty="0">
                           <a:ln>
                             <a:noFill/>
                           </a:ln>
@@ -4633,6 +4604,154 @@
                         </a:rPr>
                         <a:t>Yes, there is, for example when looking at Outdoor Job, the options are frequently, occasionally, and rarely, which does have an order to it, thus we will be changing our factoring scheme to account for that.</a:t>
                       </a:r>
+                    </a:p>
+                    <a:p>
+                      <a:pPr marL="171450" marR="0" lvl="0" indent="-171450" algn="l" defTabSz="914400" rtl="0" eaLnBrk="1" fontAlgn="base" latinLnBrk="0" hangingPunct="1">
+                        <a:lnSpc>
+                          <a:spcPct val="100000"/>
+                        </a:lnSpc>
+                        <a:spcBef>
+                          <a:spcPct val="0"/>
+                        </a:spcBef>
+                        <a:spcAft>
+                          <a:spcPct val="25000"/>
+                        </a:spcAft>
+                        <a:buClrTx/>
+                        <a:buSzTx/>
+                        <a:buFont typeface="Wingdings" charset="2"/>
+                        <a:buChar char="§"/>
+                        <a:tabLst/>
+                        <a:defRPr/>
+                      </a:pPr>
+                      <a:r>
+                        <a:rPr kumimoji="0" lang="en-GB" sz="1000" b="1" u="none" strike="noStrike" kern="1200" cap="none" spc="0" normalizeH="0" baseline="0" noProof="0" dirty="0">
+                          <a:ln>
+                            <a:noFill/>
+                          </a:ln>
+                          <a:solidFill>
+                            <a:schemeClr val="tx1"/>
+                          </a:solidFill>
+                          <a:effectLst/>
+                          <a:uLnTx/>
+                          <a:uFillTx/>
+                        </a:rPr>
+                        <a:t>How did you guys factor your categorical data? </a:t>
+                      </a:r>
+                      <a:r>
+                        <a:rPr kumimoji="0" lang="en-GB" sz="1000" b="1" u="none" strike="noStrike" kern="1200" cap="none" spc="0" normalizeH="0" baseline="0" noProof="0" dirty="0">
+                          <a:ln>
+                            <a:noFill/>
+                          </a:ln>
+                          <a:solidFill>
+                            <a:srgbClr val="FF0000"/>
+                          </a:solidFill>
+                          <a:effectLst/>
+                          <a:uLnTx/>
+                          <a:uFillTx/>
+                        </a:rPr>
+                        <a:t>By using the </a:t>
+                      </a:r>
+                      <a:r>
+                        <a:rPr kumimoji="0" lang="en-GB" sz="1000" b="1" u="none" strike="noStrike" kern="1200" cap="none" spc="0" normalizeH="0" baseline="0" noProof="0" dirty="0" err="1">
+                          <a:ln>
+                            <a:noFill/>
+                          </a:ln>
+                          <a:solidFill>
+                            <a:srgbClr val="FF0000"/>
+                          </a:solidFill>
+                          <a:effectLst/>
+                          <a:uLnTx/>
+                          <a:uFillTx/>
+                        </a:rPr>
+                        <a:t>lapply</a:t>
+                      </a:r>
+                      <a:r>
+                        <a:rPr kumimoji="0" lang="en-GB" sz="1000" b="1" u="none" strike="noStrike" kern="1200" cap="none" spc="0" normalizeH="0" baseline="0" noProof="0" dirty="0">
+                          <a:ln>
+                            <a:noFill/>
+                          </a:ln>
+                          <a:solidFill>
+                            <a:srgbClr val="FF0000"/>
+                          </a:solidFill>
+                          <a:effectLst/>
+                          <a:uLnTx/>
+                          <a:uFillTx/>
+                        </a:rPr>
+                        <a:t>() function in R, which produced a binary output (000 for </a:t>
+                      </a:r>
+                      <a:r>
+                        <a:rPr kumimoji="0" lang="en-GB" sz="1000" b="1" u="none" strike="noStrike" kern="1200" cap="none" spc="0" normalizeH="0" baseline="0" noProof="0" dirty="0" err="1">
+                          <a:ln>
+                            <a:noFill/>
+                          </a:ln>
+                          <a:solidFill>
+                            <a:srgbClr val="FF0000"/>
+                          </a:solidFill>
+                          <a:effectLst/>
+                          <a:uLnTx/>
+                          <a:uFillTx/>
+                        </a:rPr>
+                        <a:t>outdoorjob</a:t>
+                      </a:r>
+                      <a:r>
+                        <a:rPr kumimoji="0" lang="en-GB" sz="1000" b="1" u="none" strike="noStrike" kern="1200" cap="none" spc="0" normalizeH="0" baseline="0" noProof="0" dirty="0">
+                          <a:ln>
+                            <a:noFill/>
+                          </a:ln>
+                          <a:solidFill>
+                            <a:srgbClr val="FF0000"/>
+                          </a:solidFill>
+                          <a:effectLst/>
+                          <a:uLnTx/>
+                          <a:uFillTx/>
+                        </a:rPr>
+                        <a:t> if rarely, 001 for sometimes…). However in the future, we are going to use one-hot-encoding by using the factor function which will give each categorical group a number starting(ex: rarely = 0, sometimes = 1…). </a:t>
+                      </a:r>
+                    </a:p>
+                    <a:p>
+                      <a:pPr marL="171450" marR="0" lvl="0" indent="-171450" algn="l" defTabSz="914400" rtl="0" eaLnBrk="1" fontAlgn="base" latinLnBrk="0" hangingPunct="1">
+                        <a:lnSpc>
+                          <a:spcPct val="100000"/>
+                        </a:lnSpc>
+                        <a:spcBef>
+                          <a:spcPct val="0"/>
+                        </a:spcBef>
+                        <a:spcAft>
+                          <a:spcPct val="25000"/>
+                        </a:spcAft>
+                        <a:buClrTx/>
+                        <a:buSzTx/>
+                        <a:buFont typeface="Wingdings" charset="2"/>
+                        <a:buChar char="§"/>
+                        <a:tabLst/>
+                        <a:defRPr/>
+                      </a:pPr>
+                      <a:endParaRPr kumimoji="0" lang="en-GB" sz="1000" b="1" u="none" strike="noStrike" kern="1200" cap="none" spc="0" normalizeH="0" baseline="0" noProof="0" dirty="0">
+                        <a:ln>
+                          <a:noFill/>
+                        </a:ln>
+                        <a:solidFill>
+                          <a:schemeClr val="tx1"/>
+                        </a:solidFill>
+                        <a:effectLst/>
+                        <a:uLnTx/>
+                        <a:uFillTx/>
+                      </a:endParaRPr>
+                    </a:p>
+                    <a:p>
+                      <a:pPr marL="171450" marR="0" lvl="0" indent="-171450" algn="l" rtl="0" eaLnBrk="1" fontAlgn="base" latinLnBrk="0" hangingPunct="1">
+                        <a:lnSpc>
+                          <a:spcPct val="100000"/>
+                        </a:lnSpc>
+                        <a:spcBef>
+                          <a:spcPct val="0"/>
+                        </a:spcBef>
+                        <a:spcAft>
+                          <a:spcPct val="25000"/>
+                        </a:spcAft>
+                        <a:buFont typeface="Wingdings" charset="2"/>
+                        <a:buChar char="§"/>
+                      </a:pPr>
                       <a:endParaRPr kumimoji="0" lang="en-GB" sz="1000" b="1" u="none" strike="noStrike" kern="1200" cap="none" spc="0" normalizeH="0" baseline="0" noProof="0" dirty="0">
                         <a:ln>
                           <a:noFill/>
@@ -4654,7 +4773,7 @@
                 </a:tc>
                 <a:extLst>
                   <a:ext uri="{0D108BD9-81ED-4DB2-BD59-A6C34878D82A}">
-                    <a16:rowId xmlns="" xmlns:a16="http://schemas.microsoft.com/office/drawing/2014/main" val="10001"/>
+                    <a16:rowId xmlns:a16="http://schemas.microsoft.com/office/drawing/2014/main" val="10001"/>
                   </a:ext>
                 </a:extLst>
               </a:tr>
@@ -5712,18 +5831,18 @@
 </file>
 
 <file path=customXml/item2.xml><?xml version="1.0" encoding="utf-8"?>
-<p:properties xmlns:p="http://schemas.microsoft.com/office/2006/metadata/properties" xmlns:xsi="http://www.w3.org/2001/XMLSchema-instance" xmlns:pc="http://schemas.microsoft.com/office/infopath/2007/PartnerControls">
-  <documentManagement/>
-</p:properties>
-</file>
-
-<file path=customXml/item3.xml><?xml version="1.0" encoding="utf-8"?>
 <?mso-contentType ?>
 <FormTemplates xmlns="http://schemas.microsoft.com/sharepoint/v3/contenttype/forms">
   <Display>DocumentLibraryForm</Display>
   <Edit>DocumentLibraryForm</Edit>
   <New>DocumentLibraryForm</New>
 </FormTemplates>
+</file>
+
+<file path=customXml/item3.xml><?xml version="1.0" encoding="utf-8"?>
+<p:properties xmlns:p="http://schemas.microsoft.com/office/2006/metadata/properties" xmlns:xsi="http://www.w3.org/2001/XMLSchema-instance" xmlns:pc="http://schemas.microsoft.com/office/infopath/2007/PartnerControls">
+  <documentManagement/>
+</p:properties>
 </file>
 
 <file path=customXml/itemProps1.xml><?xml version="1.0" encoding="utf-8"?>
@@ -5746,6 +5865,14 @@
 </file>
 
 <file path=customXml/itemProps2.xml><?xml version="1.0" encoding="utf-8"?>
+<ds:datastoreItem xmlns:ds="http://schemas.openxmlformats.org/officeDocument/2006/customXml" ds:itemID="{EBE5D103-2F84-4968-8723-2C70E1A62AAC}">
+  <ds:schemaRefs>
+    <ds:schemaRef ds:uri="http://schemas.microsoft.com/sharepoint/v3/contenttype/forms"/>
+  </ds:schemaRefs>
+</ds:datastoreItem>
+</file>
+
+<file path=customXml/itemProps3.xml><?xml version="1.0" encoding="utf-8"?>
 <ds:datastoreItem xmlns:ds="http://schemas.openxmlformats.org/officeDocument/2006/customXml" ds:itemID="{BADEE82A-F99D-43F9-B825-2BC8A5EBF6F5}">
   <ds:schemaRefs>
     <ds:schemaRef ds:uri="http://purl.org/dc/elements/1.1/"/>
@@ -5760,12 +5887,4 @@
     <ds:schemaRef ds:uri="http://purl.org/dc/dcmitype/"/>
   </ds:schemaRefs>
 </ds:datastoreItem>
-</file>
-
-<file path=customXml/itemProps3.xml><?xml version="1.0" encoding="utf-8"?>
-<ds:datastoreItem xmlns:ds="http://schemas.openxmlformats.org/officeDocument/2006/customXml" ds:itemID="{EBE5D103-2F84-4968-8723-2C70E1A62AAC}">
-  <ds:schemaRefs>
-    <ds:schemaRef ds:uri="http://schemas.microsoft.com/sharepoint/v3/contenttype/forms"/>
-  </ds:schemaRefs>
-</ds:datastoreItem>
 </file>
--- a/Progress_Status_3.pptx
+++ b/Progress_Status_3.pptx
@@ -371,7 +371,7 @@
             <a:fld id="{D4C110CA-FC68-43DA-BD62-0A387A11A067}" type="datetimeFigureOut">
               <a:rPr lang="en-US" smtClean="0"/>
               <a:pPr/>
-              <a:t>3/30/2022</a:t>
+              <a:t>3/30/22</a:t>
             </a:fld>
             <a:endParaRPr lang="en-US"/>
           </a:p>
@@ -791,7 +791,7 @@
             <a:fld id="{D4C110CA-FC68-43DA-BD62-0A387A11A067}" type="datetimeFigureOut">
               <a:rPr lang="en-US" smtClean="0"/>
               <a:pPr/>
-              <a:t>3/30/2022</a:t>
+              <a:t>3/30/22</a:t>
             </a:fld>
             <a:endParaRPr lang="en-US"/>
           </a:p>
@@ -1420,7 +1420,7 @@
           <a:p>
             <a:fld id="{569D7F56-AB9D-45DF-9F98-942E1E722FC5}" type="datetime1">
               <a:rPr lang="en-US" smtClean="0"/>
-              <a:t>3/30/2022</a:t>
+              <a:t>3/30/22</a:t>
             </a:fld>
             <a:endParaRPr lang="en-US"/>
           </a:p>
@@ -1748,7 +1748,7 @@
           <a:p>
             <a:fld id="{9C30D75E-8EE4-4FE8-BC40-DEE6124551E3}" type="datetime1">
               <a:rPr lang="en-US" smtClean="0"/>
-              <a:t>3/30/2022</a:t>
+              <a:t>3/30/22</a:t>
             </a:fld>
             <a:endParaRPr lang="en-US"/>
           </a:p>
@@ -1985,7 +1985,7 @@
           <p:cNvPr id="8" name="MSIPCMContentMarking" descr="{&quot;HashCode&quot;:-242339457,&quot;Placement&quot;:&quot;Footer&quot;}">
             <a:extLst>
               <a:ext uri="{FF2B5EF4-FFF2-40B4-BE49-F238E27FC236}">
-                <a16:creationId xmlns:a16="http://schemas.microsoft.com/office/drawing/2014/main" id="{14A6A8EE-9F92-4900-BAF5-FBD48B8CD07B}"/>
+                <a16:creationId xmlns:a16="http://schemas.microsoft.com/office/drawing/2014/main" xmlns="" id="{14A6A8EE-9F92-4900-BAF5-FBD48B8CD07B}"/>
               </a:ext>
             </a:extLst>
           </p:cNvPr>
@@ -2467,7 +2467,7 @@
           <a:graphicData uri="http://schemas.openxmlformats.org/presentationml/2006/ole">
             <mc:AlternateContent xmlns:mc="http://schemas.openxmlformats.org/markup-compatibility/2006">
               <mc:Choice xmlns:v="urn:schemas-microsoft-com:vml" Requires="v">
-                <p:oleObj spid="_x0000_s1062" name="think-cell Slide" r:id="rId6" imgW="270" imgH="270" progId="TCLayout.ActiveDocument.1">
+                <p:oleObj spid="_x0000_s1065" name="think-cell Slide" r:id="rId6" imgW="270" imgH="270" progId="TCLayout.ActiveDocument.1">
                   <p:embed/>
                 </p:oleObj>
               </mc:Choice>
@@ -2607,6 +2607,14 @@
               </a:rPr>
               <a:t>Asthma Attacks</a:t>
             </a:r>
+            <a:r>
+              <a:rPr lang="en-US" b="1">
+                <a:solidFill>
+                  <a:srgbClr val="66B512"/>
+                </a:solidFill>
+              </a:rPr>
+              <a:t/>
+            </a:r>
             <a:br>
               <a:rPr lang="en-US" b="1">
                 <a:solidFill>
@@ -2737,7 +2745,7 @@
           <p:cNvPr id="30" name="Rectangle: Rounded Corners 29">
             <a:extLst>
               <a:ext uri="{FF2B5EF4-FFF2-40B4-BE49-F238E27FC236}">
-                <a16:creationId xmlns:a16="http://schemas.microsoft.com/office/drawing/2014/main" id="{96B31DCE-FE26-4A50-8779-40C386056135}"/>
+                <a16:creationId xmlns:a16="http://schemas.microsoft.com/office/drawing/2014/main" xmlns="" id="{96B31DCE-FE26-4A50-8779-40C386056135}"/>
               </a:ext>
             </a:extLst>
           </p:cNvPr>
@@ -2816,7 +2824,7 @@
           <p:cNvPr id="31" name="Group 76">
             <a:extLst>
               <a:ext uri="{FF2B5EF4-FFF2-40B4-BE49-F238E27FC236}">
-                <a16:creationId xmlns:a16="http://schemas.microsoft.com/office/drawing/2014/main" id="{CC0A1483-DF3D-45BE-B887-CB285D84E8EA}"/>
+                <a16:creationId xmlns:a16="http://schemas.microsoft.com/office/drawing/2014/main" xmlns="" id="{CC0A1483-DF3D-45BE-B887-CB285D84E8EA}"/>
               </a:ext>
             </a:extLst>
           </p:cNvPr>
@@ -2845,7 +2853,7 @@
                 <a:gridCol w="11734483">
                   <a:extLst>
                     <a:ext uri="{9D8B030D-6E8A-4147-A177-3AD203B41FA5}">
-                      <a16:colId xmlns:a16="http://schemas.microsoft.com/office/drawing/2014/main" val="20000"/>
+                      <a16:colId xmlns:a16="http://schemas.microsoft.com/office/drawing/2014/main" xmlns="" val="20000"/>
                     </a:ext>
                   </a:extLst>
                 </a:gridCol>
@@ -2913,7 +2921,7 @@
                 </a:tc>
                 <a:extLst>
                   <a:ext uri="{0D108BD9-81ED-4DB2-BD59-A6C34878D82A}">
-                    <a16:rowId xmlns:a16="http://schemas.microsoft.com/office/drawing/2014/main" val="10000"/>
+                    <a16:rowId xmlns:a16="http://schemas.microsoft.com/office/drawing/2014/main" xmlns="" val="10000"/>
                   </a:ext>
                 </a:extLst>
               </a:tr>
@@ -2926,7 +2934,7 @@
           <p:cNvPr id="32" name="Group 77">
             <a:extLst>
               <a:ext uri="{FF2B5EF4-FFF2-40B4-BE49-F238E27FC236}">
-                <a16:creationId xmlns:a16="http://schemas.microsoft.com/office/drawing/2014/main" id="{98257ECF-45B8-481F-B073-88E6B4B91EDB}"/>
+                <a16:creationId xmlns:a16="http://schemas.microsoft.com/office/drawing/2014/main" xmlns="" id="{98257ECF-45B8-481F-B073-88E6B4B91EDB}"/>
               </a:ext>
             </a:extLst>
           </p:cNvPr>
@@ -2955,7 +2963,7 @@
                 <a:gridCol w="6301058">
                   <a:extLst>
                     <a:ext uri="{9D8B030D-6E8A-4147-A177-3AD203B41FA5}">
-                      <a16:colId xmlns:a16="http://schemas.microsoft.com/office/drawing/2014/main" val="20000"/>
+                      <a16:colId xmlns:a16="http://schemas.microsoft.com/office/drawing/2014/main" xmlns="" val="20000"/>
                     </a:ext>
                   </a:extLst>
                 </a:gridCol>
@@ -3014,7 +3022,7 @@
                 </a:tc>
                 <a:extLst>
                   <a:ext uri="{0D108BD9-81ED-4DB2-BD59-A6C34878D82A}">
-                    <a16:rowId xmlns:a16="http://schemas.microsoft.com/office/drawing/2014/main" val="10000"/>
+                    <a16:rowId xmlns:a16="http://schemas.microsoft.com/office/drawing/2014/main" xmlns="" val="10000"/>
                   </a:ext>
                 </a:extLst>
               </a:tr>
@@ -3101,7 +3109,7 @@
                 </a:tc>
                 <a:extLst>
                   <a:ext uri="{0D108BD9-81ED-4DB2-BD59-A6C34878D82A}">
-                    <a16:rowId xmlns:a16="http://schemas.microsoft.com/office/drawing/2014/main" val="10001"/>
+                    <a16:rowId xmlns:a16="http://schemas.microsoft.com/office/drawing/2014/main" xmlns="" val="10001"/>
                   </a:ext>
                 </a:extLst>
               </a:tr>
@@ -3114,7 +3122,7 @@
           <p:cNvPr id="33" name="Group 77">
             <a:extLst>
               <a:ext uri="{FF2B5EF4-FFF2-40B4-BE49-F238E27FC236}">
-                <a16:creationId xmlns:a16="http://schemas.microsoft.com/office/drawing/2014/main" id="{D1FFF23A-C9C0-4990-B613-435FE74B2902}"/>
+                <a16:creationId xmlns:a16="http://schemas.microsoft.com/office/drawing/2014/main" xmlns="" id="{D1FFF23A-C9C0-4990-B613-435FE74B2902}"/>
               </a:ext>
             </a:extLst>
           </p:cNvPr>
@@ -3124,14 +3132,14 @@
           <p:nvPr>
             <p:extLst>
               <p:ext uri="{D42A27DB-BD31-4B8C-83A1-F6EECF244321}">
-                <p14:modId xmlns:p14="http://schemas.microsoft.com/office/powerpoint/2010/main" val="1048485381"/>
+                <p14:modId xmlns:p14="http://schemas.microsoft.com/office/powerpoint/2010/main" val="919991333"/>
               </p:ext>
             </p:extLst>
           </p:nvPr>
         </p:nvGraphicFramePr>
         <p:xfrm>
-          <a:off x="6620127" y="1695315"/>
-          <a:ext cx="5333996" cy="2817418"/>
+          <a:off x="6620127" y="1695316"/>
+          <a:ext cx="5333996" cy="1883042"/>
         </p:xfrm>
         <a:graphic>
           <a:graphicData uri="http://schemas.openxmlformats.org/drawingml/2006/table">
@@ -3143,12 +3151,12 @@
                 <a:gridCol w="5333996">
                   <a:extLst>
                     <a:ext uri="{9D8B030D-6E8A-4147-A177-3AD203B41FA5}">
-                      <a16:colId xmlns:a16="http://schemas.microsoft.com/office/drawing/2014/main" val="20000"/>
+                      <a16:colId xmlns:a16="http://schemas.microsoft.com/office/drawing/2014/main" xmlns="" val="20000"/>
                     </a:ext>
                   </a:extLst>
                 </a:gridCol>
               </a:tblGrid>
-              <a:tr h="543774">
+              <a:tr h="515641">
                 <a:tc>
                   <a:txBody>
                     <a:bodyPr/>
@@ -3196,11 +3204,11 @@
                 </a:tc>
                 <a:extLst>
                   <a:ext uri="{0D108BD9-81ED-4DB2-BD59-A6C34878D82A}">
-                    <a16:rowId xmlns:a16="http://schemas.microsoft.com/office/drawing/2014/main" val="10000"/>
+                    <a16:rowId xmlns:a16="http://schemas.microsoft.com/office/drawing/2014/main" xmlns="" val="10000"/>
                   </a:ext>
                 </a:extLst>
               </a:tr>
-              <a:tr h="2273644">
+              <a:tr h="1347492">
                 <a:tc>
                   <a:txBody>
                     <a:bodyPr/>
@@ -3208,7 +3216,7 @@
                     <a:p>
                       <a:pPr marL="112395" marR="0" lvl="0" indent="-112395" algn="l" rtl="0" eaLnBrk="1" fontAlgn="base" latinLnBrk="0" hangingPunct="1">
                         <a:lnSpc>
-                          <a:spcPct val="100000"/>
+                          <a:spcPct val="150000"/>
                         </a:lnSpc>
                         <a:spcBef>
                           <a:spcPct val="0"/>
@@ -3237,7 +3245,7 @@
                     <a:p>
                       <a:pPr marL="112395" marR="0" lvl="0" indent="-112395" algn="l" rtl="0" eaLnBrk="1" fontAlgn="base" latinLnBrk="0" hangingPunct="1">
                         <a:lnSpc>
-                          <a:spcPct val="100000"/>
+                          <a:spcPct val="150000"/>
                         </a:lnSpc>
                         <a:spcBef>
                           <a:spcPct val="0"/>
@@ -3266,7 +3274,7 @@
                     <a:p>
                       <a:pPr marL="112395" marR="0" lvl="0" indent="-112395" algn="l" rtl="0" eaLnBrk="1" fontAlgn="base" latinLnBrk="0" hangingPunct="1">
                         <a:lnSpc>
-                          <a:spcPct val="100000"/>
+                          <a:spcPct val="150000"/>
                         </a:lnSpc>
                         <a:spcBef>
                           <a:spcPct val="0"/>
@@ -3283,29 +3291,28 @@
                             <a:noFill/>
                           </a:ln>
                           <a:solidFill>
-                            <a:srgbClr val="FFCC00"/>
+                            <a:schemeClr val="tx1"/>
                           </a:solidFill>
                           <a:effectLst/>
                           <a:uLnTx/>
                           <a:uFillTx/>
                         </a:rPr>
-                        <a:t>Changed how we previously factored the categorical variables to account for the ordering</a:t>
+                        <a:t>Changed how we previously factored the categorical variables to account for the </a:t>
                       </a:r>
-                    </a:p>
-                    <a:p>
-                      <a:pPr marL="112395" marR="0" lvl="0" indent="-112395" algn="l" rtl="0" eaLnBrk="1" fontAlgn="base" latinLnBrk="0" hangingPunct="1">
-                        <a:lnSpc>
-                          <a:spcPct val="100000"/>
-                        </a:lnSpc>
-                        <a:spcBef>
-                          <a:spcPct val="0"/>
-                        </a:spcBef>
-                        <a:spcAft>
-                          <a:spcPct val="25000"/>
-                        </a:spcAft>
-                        <a:buFont typeface="Wingdings" pitchFamily="2" charset="2"/>
-                        <a:buChar char="§"/>
-                      </a:pPr>
+                      <a:r>
+                        <a:rPr kumimoji="0" lang="en-GB" sz="1000" b="1" u="none" strike="noStrike" kern="1200" cap="none" spc="0" normalizeH="0" baseline="0" noProof="0" dirty="0" smtClean="0">
+                          <a:ln>
+                            <a:noFill/>
+                          </a:ln>
+                          <a:solidFill>
+                            <a:schemeClr val="tx1"/>
+                          </a:solidFill>
+                          <a:effectLst/>
+                          <a:uLnTx/>
+                          <a:uFillTx/>
+                        </a:rPr>
+                        <a:t>ordering</a:t>
+                      </a:r>
                       <a:endParaRPr kumimoji="0" lang="en-GB" sz="1000" b="1" u="none" strike="noStrike" kern="1200" cap="none" spc="0" normalizeH="0" baseline="0" noProof="0" dirty="0">
                         <a:ln>
                           <a:noFill/>
@@ -3327,7 +3334,7 @@
                 </a:tc>
                 <a:extLst>
                   <a:ext uri="{0D108BD9-81ED-4DB2-BD59-A6C34878D82A}">
-                    <a16:rowId xmlns:a16="http://schemas.microsoft.com/office/drawing/2014/main" val="10001"/>
+                    <a16:rowId xmlns:a16="http://schemas.microsoft.com/office/drawing/2014/main" xmlns="" val="10001"/>
                   </a:ext>
                 </a:extLst>
               </a:tr>
@@ -3340,7 +3347,7 @@
           <p:cNvPr id="36" name="Rectangle: Rounded Corners 35">
             <a:extLst>
               <a:ext uri="{FF2B5EF4-FFF2-40B4-BE49-F238E27FC236}">
-                <a16:creationId xmlns:a16="http://schemas.microsoft.com/office/drawing/2014/main" id="{BB735C57-A501-4D95-BE54-CE03563D7929}"/>
+                <a16:creationId xmlns:a16="http://schemas.microsoft.com/office/drawing/2014/main" xmlns="" id="{BB735C57-A501-4D95-BE54-CE03563D7929}"/>
               </a:ext>
             </a:extLst>
           </p:cNvPr>
@@ -3419,7 +3426,7 @@
           <p:cNvPr id="37" name="Group 79">
             <a:extLst>
               <a:ext uri="{FF2B5EF4-FFF2-40B4-BE49-F238E27FC236}">
-                <a16:creationId xmlns:a16="http://schemas.microsoft.com/office/drawing/2014/main" id="{0B10B350-64ED-4B92-9E40-03FF6E86DBF6}"/>
+                <a16:creationId xmlns:a16="http://schemas.microsoft.com/office/drawing/2014/main" xmlns="" id="{0B10B350-64ED-4B92-9E40-03FF6E86DBF6}"/>
               </a:ext>
             </a:extLst>
           </p:cNvPr>
@@ -3448,14 +3455,14 @@
                 <a:gridCol w="2572795">
                   <a:extLst>
                     <a:ext uri="{9D8B030D-6E8A-4147-A177-3AD203B41FA5}">
-                      <a16:colId xmlns:a16="http://schemas.microsoft.com/office/drawing/2014/main" val="20000"/>
+                      <a16:colId xmlns:a16="http://schemas.microsoft.com/office/drawing/2014/main" xmlns="" val="20000"/>
                     </a:ext>
                   </a:extLst>
                 </a:gridCol>
                 <a:gridCol w="1594108">
                   <a:extLst>
                     <a:ext uri="{9D8B030D-6E8A-4147-A177-3AD203B41FA5}">
-                      <a16:colId xmlns:a16="http://schemas.microsoft.com/office/drawing/2014/main" val="20001"/>
+                      <a16:colId xmlns:a16="http://schemas.microsoft.com/office/drawing/2014/main" xmlns="" val="20001"/>
                     </a:ext>
                   </a:extLst>
                 </a:gridCol>
@@ -3644,7 +3651,7 @@
                 </a:tc>
                 <a:extLst>
                   <a:ext uri="{0D108BD9-81ED-4DB2-BD59-A6C34878D82A}">
-                    <a16:rowId xmlns:a16="http://schemas.microsoft.com/office/drawing/2014/main" val="10000"/>
+                    <a16:rowId xmlns:a16="http://schemas.microsoft.com/office/drawing/2014/main" xmlns="" val="10000"/>
                   </a:ext>
                 </a:extLst>
               </a:tr>
@@ -3832,7 +3839,7 @@
                 </a:tc>
                 <a:extLst>
                   <a:ext uri="{0D108BD9-81ED-4DB2-BD59-A6C34878D82A}">
-                    <a16:rowId xmlns:a16="http://schemas.microsoft.com/office/drawing/2014/main" val="10001"/>
+                    <a16:rowId xmlns:a16="http://schemas.microsoft.com/office/drawing/2014/main" xmlns="" val="10001"/>
                   </a:ext>
                 </a:extLst>
               </a:tr>
@@ -3845,7 +3852,7 @@
           <p:cNvPr id="38" name="Tabelle 20">
             <a:extLst>
               <a:ext uri="{FF2B5EF4-FFF2-40B4-BE49-F238E27FC236}">
-                <a16:creationId xmlns:a16="http://schemas.microsoft.com/office/drawing/2014/main" id="{EC9F2797-F988-44CB-8382-693DBC8A0F21}"/>
+                <a16:creationId xmlns:a16="http://schemas.microsoft.com/office/drawing/2014/main" xmlns="" id="{EC9F2797-F988-44CB-8382-693DBC8A0F21}"/>
               </a:ext>
             </a:extLst>
           </p:cNvPr>
@@ -3874,14 +3881,14 @@
                 <a:gridCol w="1028731">
                   <a:extLst>
                     <a:ext uri="{9D8B030D-6E8A-4147-A177-3AD203B41FA5}">
-                      <a16:colId xmlns:a16="http://schemas.microsoft.com/office/drawing/2014/main" val="20000"/>
+                      <a16:colId xmlns:a16="http://schemas.microsoft.com/office/drawing/2014/main" xmlns="" val="20000"/>
                     </a:ext>
                   </a:extLst>
                 </a:gridCol>
                 <a:gridCol w="801637">
                   <a:extLst>
                     <a:ext uri="{9D8B030D-6E8A-4147-A177-3AD203B41FA5}">
-                      <a16:colId xmlns:a16="http://schemas.microsoft.com/office/drawing/2014/main" val="20001"/>
+                      <a16:colId xmlns:a16="http://schemas.microsoft.com/office/drawing/2014/main" xmlns="" val="20001"/>
                     </a:ext>
                   </a:extLst>
                 </a:gridCol>
@@ -4063,7 +4070,7 @@
                 </a:tc>
                 <a:extLst>
                   <a:ext uri="{0D108BD9-81ED-4DB2-BD59-A6C34878D82A}">
-                    <a16:rowId xmlns:a16="http://schemas.microsoft.com/office/drawing/2014/main" val="10000"/>
+                    <a16:rowId xmlns:a16="http://schemas.microsoft.com/office/drawing/2014/main" xmlns="" val="10000"/>
                   </a:ext>
                 </a:extLst>
               </a:tr>
@@ -4076,7 +4083,7 @@
           <p:cNvPr id="8" name="TextBox 7">
             <a:extLst>
               <a:ext uri="{FF2B5EF4-FFF2-40B4-BE49-F238E27FC236}">
-                <a16:creationId xmlns:a16="http://schemas.microsoft.com/office/drawing/2014/main" id="{44E3C0C7-7427-4CB3-B854-12CD21E5D4DD}"/>
+                <a16:creationId xmlns:a16="http://schemas.microsoft.com/office/drawing/2014/main" xmlns="" id="{44E3C0C7-7427-4CB3-B854-12CD21E5D4DD}"/>
               </a:ext>
             </a:extLst>
           </p:cNvPr>
@@ -4379,7 +4386,7 @@
           <p:cNvPr id="15" name="Group 77">
             <a:extLst>
               <a:ext uri="{FF2B5EF4-FFF2-40B4-BE49-F238E27FC236}">
-                <a16:creationId xmlns:a16="http://schemas.microsoft.com/office/drawing/2014/main" id="{98257ECF-45B8-481F-B073-88E6B4B91EDB}"/>
+                <a16:creationId xmlns:a16="http://schemas.microsoft.com/office/drawing/2014/main" xmlns="" id="{98257ECF-45B8-481F-B073-88E6B4B91EDB}"/>
               </a:ext>
             </a:extLst>
           </p:cNvPr>
@@ -4389,14 +4396,14 @@
           <p:nvPr>
             <p:extLst>
               <p:ext uri="{D42A27DB-BD31-4B8C-83A1-F6EECF244321}">
-                <p14:modId xmlns:p14="http://schemas.microsoft.com/office/powerpoint/2010/main" val="4063636027"/>
+                <p14:modId xmlns:p14="http://schemas.microsoft.com/office/powerpoint/2010/main" val="623043669"/>
               </p:ext>
             </p:extLst>
           </p:nvPr>
         </p:nvGraphicFramePr>
         <p:xfrm>
-          <a:off x="6620127" y="3246050"/>
-          <a:ext cx="5332086" cy="3304963"/>
+          <a:off x="6620127" y="3753289"/>
+          <a:ext cx="5332086" cy="2830381"/>
         </p:xfrm>
         <a:graphic>
           <a:graphicData uri="http://schemas.openxmlformats.org/drawingml/2006/table">
@@ -4408,12 +4415,12 @@
                 <a:gridCol w="5332086">
                   <a:extLst>
                     <a:ext uri="{9D8B030D-6E8A-4147-A177-3AD203B41FA5}">
-                      <a16:colId xmlns:a16="http://schemas.microsoft.com/office/drawing/2014/main" val="20000"/>
+                      <a16:colId xmlns:a16="http://schemas.microsoft.com/office/drawing/2014/main" xmlns="" val="20000"/>
                     </a:ext>
                   </a:extLst>
                 </a:gridCol>
               </a:tblGrid>
-              <a:tr h="358569">
+              <a:tr h="272738">
                 <a:tc>
                   <a:txBody>
                     <a:bodyPr/>
@@ -4467,11 +4474,11 @@
                 </a:tc>
                 <a:extLst>
                   <a:ext uri="{0D108BD9-81ED-4DB2-BD59-A6C34878D82A}">
-                    <a16:rowId xmlns:a16="http://schemas.microsoft.com/office/drawing/2014/main" val="10000"/>
+                    <a16:rowId xmlns:a16="http://schemas.microsoft.com/office/drawing/2014/main" xmlns="" val="10000"/>
                   </a:ext>
                 </a:extLst>
               </a:tr>
-              <a:tr h="2946394">
+              <a:tr h="2545021">
                 <a:tc>
                   <a:txBody>
                     <a:bodyPr/>
@@ -4707,51 +4714,6 @@
                         </a:rPr>
                         <a:t> if rarely, 001 for sometimes…). However in the future, we are going to use one-hot-encoding by using the factor function which will give each categorical group a number starting(ex: rarely = 0, sometimes = 1…). </a:t>
                       </a:r>
-                    </a:p>
-                    <a:p>
-                      <a:pPr marL="171450" marR="0" lvl="0" indent="-171450" algn="l" defTabSz="914400" rtl="0" eaLnBrk="1" fontAlgn="base" latinLnBrk="0" hangingPunct="1">
-                        <a:lnSpc>
-                          <a:spcPct val="100000"/>
-                        </a:lnSpc>
-                        <a:spcBef>
-                          <a:spcPct val="0"/>
-                        </a:spcBef>
-                        <a:spcAft>
-                          <a:spcPct val="25000"/>
-                        </a:spcAft>
-                        <a:buClrTx/>
-                        <a:buSzTx/>
-                        <a:buFont typeface="Wingdings" charset="2"/>
-                        <a:buChar char="§"/>
-                        <a:tabLst/>
-                        <a:defRPr/>
-                      </a:pPr>
-                      <a:endParaRPr kumimoji="0" lang="en-GB" sz="1000" b="1" u="none" strike="noStrike" kern="1200" cap="none" spc="0" normalizeH="0" baseline="0" noProof="0" dirty="0">
-                        <a:ln>
-                          <a:noFill/>
-                        </a:ln>
-                        <a:solidFill>
-                          <a:schemeClr val="tx1"/>
-                        </a:solidFill>
-                        <a:effectLst/>
-                        <a:uLnTx/>
-                        <a:uFillTx/>
-                      </a:endParaRPr>
-                    </a:p>
-                    <a:p>
-                      <a:pPr marL="171450" marR="0" lvl="0" indent="-171450" algn="l" rtl="0" eaLnBrk="1" fontAlgn="base" latinLnBrk="0" hangingPunct="1">
-                        <a:lnSpc>
-                          <a:spcPct val="100000"/>
-                        </a:lnSpc>
-                        <a:spcBef>
-                          <a:spcPct val="0"/>
-                        </a:spcBef>
-                        <a:spcAft>
-                          <a:spcPct val="25000"/>
-                        </a:spcAft>
-                        <a:buFont typeface="Wingdings" charset="2"/>
-                        <a:buChar char="§"/>
-                      </a:pPr>
                       <a:endParaRPr kumimoji="0" lang="en-GB" sz="1000" b="1" u="none" strike="noStrike" kern="1200" cap="none" spc="0" normalizeH="0" baseline="0" noProof="0" dirty="0">
                         <a:ln>
                           <a:noFill/>
@@ -4773,7 +4735,7 @@
                 </a:tc>
                 <a:extLst>
                   <a:ext uri="{0D108BD9-81ED-4DB2-BD59-A6C34878D82A}">
-                    <a16:rowId xmlns:a16="http://schemas.microsoft.com/office/drawing/2014/main" val="10001"/>
+                    <a16:rowId xmlns:a16="http://schemas.microsoft.com/office/drawing/2014/main" xmlns="" val="10001"/>
                   </a:ext>
                 </a:extLst>
               </a:tr>
